--- a/Documents/template.pptx
+++ b/Documents/template.pptx
@@ -6,16 +6,15 @@
     <p:sldMasterId id="2147483650" r:id="rId2"/>
   </p:sldMasterIdLst>
   <p:notesMasterIdLst>
-    <p:notesMasterId r:id="rId7"/>
+    <p:notesMasterId r:id="rId6"/>
   </p:notesMasterIdLst>
   <p:handoutMasterIdLst>
-    <p:handoutMasterId r:id="rId8"/>
+    <p:handoutMasterId r:id="rId7"/>
   </p:handoutMasterIdLst>
   <p:sldIdLst>
-    <p:sldId id="256" r:id="rId3"/>
-    <p:sldId id="257" r:id="rId4"/>
-    <p:sldId id="259" r:id="rId5"/>
-    <p:sldId id="260" r:id="rId6"/>
+    <p:sldId id="261" r:id="rId3"/>
+    <p:sldId id="262" r:id="rId4"/>
+    <p:sldId id="263" r:id="rId5"/>
   </p:sldIdLst>
   <p:sldSz cx="9144000" cy="6858000" type="screen4x3"/>
   <p:notesSz cx="6858000" cy="9144000"/>
@@ -786,6 +785,333 @@
     </a:lvl9pPr>
   </p:notesStyle>
 </p:notesMaster>
+</file>
+
+<file path=ppt/notesSlides/notesSlide1.xml><?xml version="1.0" encoding="utf-8"?>
+<p:notes xmlns:a="http://schemas.openxmlformats.org/drawingml/2006/main" xmlns:r="http://schemas.openxmlformats.org/officeDocument/2006/relationships" xmlns:p="http://schemas.openxmlformats.org/presentationml/2006/main" showMasterSp="0" showMasterPhAnim="0">
+  <p:cSld>
+    <p:spTree>
+      <p:nvGrpSpPr>
+        <p:cNvPr id="1" name="Shape 49"/>
+        <p:cNvGrpSpPr/>
+        <p:nvPr/>
+      </p:nvGrpSpPr>
+      <p:grpSpPr>
+        <a:xfrm>
+          <a:off x="0" y="0"/>
+          <a:ext cx="0" cy="0"/>
+          <a:chOff x="0" y="0"/>
+          <a:chExt cx="0" cy="0"/>
+        </a:xfrm>
+      </p:grpSpPr>
+      <p:sp>
+        <p:nvSpPr>
+          <p:cNvPr id="50" name="Google Shape;50;p:notes"/>
+          <p:cNvSpPr>
+            <a:spLocks noGrp="1" noRot="1" noChangeAspect="1"/>
+          </p:cNvSpPr>
+          <p:nvPr>
+            <p:ph type="sldImg" idx="2"/>
+          </p:nvPr>
+        </p:nvSpPr>
+        <p:spPr>
+          <a:xfrm>
+            <a:off x="381000" y="685800"/>
+            <a:ext cx="6096000" cy="3429000"/>
+          </a:xfrm>
+          <a:custGeom>
+            <a:avLst/>
+            <a:gdLst/>
+            <a:ahLst/>
+            <a:cxnLst/>
+            <a:rect l="l" t="t" r="r" b="b"/>
+            <a:pathLst>
+              <a:path w="120000" h="120000" extrusionOk="0">
+                <a:moveTo>
+                  <a:pt x="0" y="0"/>
+                </a:moveTo>
+                <a:lnTo>
+                  <a:pt x="120000" y="0"/>
+                </a:lnTo>
+                <a:lnTo>
+                  <a:pt x="120000" y="120000"/>
+                </a:lnTo>
+                <a:lnTo>
+                  <a:pt x="0" y="120000"/>
+                </a:lnTo>
+                <a:close/>
+              </a:path>
+            </a:pathLst>
+          </a:custGeom>
+        </p:spPr>
+      </p:sp>
+      <p:sp>
+        <p:nvSpPr>
+          <p:cNvPr id="51" name="Google Shape;51;p:notes"/>
+          <p:cNvSpPr txBox="1">
+            <a:spLocks noGrp="1"/>
+          </p:cNvSpPr>
+          <p:nvPr>
+            <p:ph type="body" idx="1"/>
+          </p:nvPr>
+        </p:nvSpPr>
+        <p:spPr>
+          <a:xfrm>
+            <a:off x="685800" y="4343400"/>
+            <a:ext cx="5486400" cy="4114800"/>
+          </a:xfrm>
+          <a:prstGeom prst="rect">
+            <a:avLst/>
+          </a:prstGeom>
+        </p:spPr>
+        <p:txBody>
+          <a:bodyPr spcFirstLastPara="1" wrap="square" lIns="91425" tIns="91425" rIns="91425" bIns="91425" anchor="t" anchorCtr="0">
+            <a:noAutofit/>
+          </a:bodyPr>
+          <a:lstStyle/>
+          <a:p>
+            <a:pPr marL="0" lvl="0" indent="0" algn="l" rtl="0">
+              <a:spcBef>
+                <a:spcPts val="0"/>
+              </a:spcBef>
+              <a:spcAft>
+                <a:spcPts val="0"/>
+              </a:spcAft>
+              <a:buNone/>
+            </a:pPr>
+            <a:endParaRPr/>
+          </a:p>
+        </p:txBody>
+      </p:sp>
+    </p:spTree>
+    <p:extLst>
+      <p:ext uri="{BB962C8B-B14F-4D97-AF65-F5344CB8AC3E}">
+        <p14:creationId xmlns:p14="http://schemas.microsoft.com/office/powerpoint/2010/main" val="3467885225"/>
+      </p:ext>
+    </p:extLst>
+  </p:cSld>
+  <p:clrMapOvr>
+    <a:masterClrMapping/>
+  </p:clrMapOvr>
+</p:notes>
+</file>
+
+<file path=ppt/notesSlides/notesSlide2.xml><?xml version="1.0" encoding="utf-8"?>
+<p:notes xmlns:a="http://schemas.openxmlformats.org/drawingml/2006/main" xmlns:r="http://schemas.openxmlformats.org/officeDocument/2006/relationships" xmlns:p="http://schemas.openxmlformats.org/presentationml/2006/main" showMasterSp="0" showMasterPhAnim="0">
+  <p:cSld>
+    <p:spTree>
+      <p:nvGrpSpPr>
+        <p:cNvPr id="1" name="Shape 55"/>
+        <p:cNvGrpSpPr/>
+        <p:nvPr/>
+      </p:nvGrpSpPr>
+      <p:grpSpPr>
+        <a:xfrm>
+          <a:off x="0" y="0"/>
+          <a:ext cx="0" cy="0"/>
+          <a:chOff x="0" y="0"/>
+          <a:chExt cx="0" cy="0"/>
+        </a:xfrm>
+      </p:grpSpPr>
+      <p:sp>
+        <p:nvSpPr>
+          <p:cNvPr id="56" name="Google Shape;56;g938f6d0712_2_0:notes"/>
+          <p:cNvSpPr>
+            <a:spLocks noGrp="1" noRot="1" noChangeAspect="1"/>
+          </p:cNvSpPr>
+          <p:nvPr>
+            <p:ph type="sldImg" idx="2"/>
+          </p:nvPr>
+        </p:nvSpPr>
+        <p:spPr>
+          <a:xfrm>
+            <a:off x="381000" y="685800"/>
+            <a:ext cx="6096000" cy="3429000"/>
+          </a:xfrm>
+          <a:custGeom>
+            <a:avLst/>
+            <a:gdLst/>
+            <a:ahLst/>
+            <a:cxnLst/>
+            <a:rect l="l" t="t" r="r" b="b"/>
+            <a:pathLst>
+              <a:path w="120000" h="120000" extrusionOk="0">
+                <a:moveTo>
+                  <a:pt x="0" y="0"/>
+                </a:moveTo>
+                <a:lnTo>
+                  <a:pt x="120000" y="0"/>
+                </a:lnTo>
+                <a:lnTo>
+                  <a:pt x="120000" y="120000"/>
+                </a:lnTo>
+                <a:lnTo>
+                  <a:pt x="0" y="120000"/>
+                </a:lnTo>
+                <a:close/>
+              </a:path>
+            </a:pathLst>
+          </a:custGeom>
+        </p:spPr>
+      </p:sp>
+      <p:sp>
+        <p:nvSpPr>
+          <p:cNvPr id="57" name="Google Shape;57;g938f6d0712_2_0:notes"/>
+          <p:cNvSpPr txBox="1">
+            <a:spLocks noGrp="1"/>
+          </p:cNvSpPr>
+          <p:nvPr>
+            <p:ph type="body" idx="1"/>
+          </p:nvPr>
+        </p:nvSpPr>
+        <p:spPr>
+          <a:xfrm>
+            <a:off x="685800" y="4343400"/>
+            <a:ext cx="5486400" cy="4114800"/>
+          </a:xfrm>
+          <a:prstGeom prst="rect">
+            <a:avLst/>
+          </a:prstGeom>
+        </p:spPr>
+        <p:txBody>
+          <a:bodyPr spcFirstLastPara="1" wrap="square" lIns="91425" tIns="91425" rIns="91425" bIns="91425" anchor="t" anchorCtr="0">
+            <a:noAutofit/>
+          </a:bodyPr>
+          <a:lstStyle/>
+          <a:p>
+            <a:pPr marL="0" lvl="0" indent="0" algn="l" rtl="0">
+              <a:spcBef>
+                <a:spcPts val="0"/>
+              </a:spcBef>
+              <a:spcAft>
+                <a:spcPts val="0"/>
+              </a:spcAft>
+              <a:buNone/>
+            </a:pPr>
+            <a:endParaRPr/>
+          </a:p>
+        </p:txBody>
+      </p:sp>
+    </p:spTree>
+    <p:extLst>
+      <p:ext uri="{BB962C8B-B14F-4D97-AF65-F5344CB8AC3E}">
+        <p14:creationId xmlns:p14="http://schemas.microsoft.com/office/powerpoint/2010/main" val="839523810"/>
+      </p:ext>
+    </p:extLst>
+  </p:cSld>
+  <p:clrMapOvr>
+    <a:masterClrMapping/>
+  </p:clrMapOvr>
+</p:notes>
+</file>
+
+<file path=ppt/notesSlides/notesSlide3.xml><?xml version="1.0" encoding="utf-8"?>
+<p:notes xmlns:a="http://schemas.openxmlformats.org/drawingml/2006/main" xmlns:r="http://schemas.openxmlformats.org/officeDocument/2006/relationships" xmlns:p="http://schemas.openxmlformats.org/presentationml/2006/main" showMasterSp="0" showMasterPhAnim="0">
+  <p:cSld>
+    <p:spTree>
+      <p:nvGrpSpPr>
+        <p:cNvPr id="1" name="Shape 60"/>
+        <p:cNvGrpSpPr/>
+        <p:nvPr/>
+      </p:nvGrpSpPr>
+      <p:grpSpPr>
+        <a:xfrm>
+          <a:off x="0" y="0"/>
+          <a:ext cx="0" cy="0"/>
+          <a:chOff x="0" y="0"/>
+          <a:chExt cx="0" cy="0"/>
+        </a:xfrm>
+      </p:grpSpPr>
+      <p:sp>
+        <p:nvSpPr>
+          <p:cNvPr id="61" name="Google Shape;61;g938f6d0712_1_3:notes"/>
+          <p:cNvSpPr>
+            <a:spLocks noGrp="1" noRot="1" noChangeAspect="1"/>
+          </p:cNvSpPr>
+          <p:nvPr>
+            <p:ph type="sldImg" idx="2"/>
+          </p:nvPr>
+        </p:nvSpPr>
+        <p:spPr>
+          <a:xfrm>
+            <a:off x="381000" y="685800"/>
+            <a:ext cx="6096000" cy="3429000"/>
+          </a:xfrm>
+          <a:custGeom>
+            <a:avLst/>
+            <a:gdLst/>
+            <a:ahLst/>
+            <a:cxnLst/>
+            <a:rect l="l" t="t" r="r" b="b"/>
+            <a:pathLst>
+              <a:path w="120000" h="120000" extrusionOk="0">
+                <a:moveTo>
+                  <a:pt x="0" y="0"/>
+                </a:moveTo>
+                <a:lnTo>
+                  <a:pt x="120000" y="0"/>
+                </a:lnTo>
+                <a:lnTo>
+                  <a:pt x="120000" y="120000"/>
+                </a:lnTo>
+                <a:lnTo>
+                  <a:pt x="0" y="120000"/>
+                </a:lnTo>
+                <a:close/>
+              </a:path>
+            </a:pathLst>
+          </a:custGeom>
+        </p:spPr>
+      </p:sp>
+      <p:sp>
+        <p:nvSpPr>
+          <p:cNvPr id="62" name="Google Shape;62;g938f6d0712_1_3:notes"/>
+          <p:cNvSpPr txBox="1">
+            <a:spLocks noGrp="1"/>
+          </p:cNvSpPr>
+          <p:nvPr>
+            <p:ph type="body" idx="1"/>
+          </p:nvPr>
+        </p:nvSpPr>
+        <p:spPr>
+          <a:xfrm>
+            <a:off x="685800" y="4343400"/>
+            <a:ext cx="5486400" cy="4114800"/>
+          </a:xfrm>
+          <a:prstGeom prst="rect">
+            <a:avLst/>
+          </a:prstGeom>
+        </p:spPr>
+        <p:txBody>
+          <a:bodyPr spcFirstLastPara="1" wrap="square" lIns="91425" tIns="91425" rIns="91425" bIns="91425" anchor="t" anchorCtr="0">
+            <a:noAutofit/>
+          </a:bodyPr>
+          <a:lstStyle/>
+          <a:p>
+            <a:pPr marL="0" lvl="0" indent="0" algn="l" rtl="0">
+              <a:spcBef>
+                <a:spcPts val="0"/>
+              </a:spcBef>
+              <a:spcAft>
+                <a:spcPts val="0"/>
+              </a:spcAft>
+              <a:buNone/>
+            </a:pPr>
+            <a:endParaRPr/>
+          </a:p>
+        </p:txBody>
+      </p:sp>
+    </p:spTree>
+    <p:extLst>
+      <p:ext uri="{BB962C8B-B14F-4D97-AF65-F5344CB8AC3E}">
+        <p14:creationId xmlns:p14="http://schemas.microsoft.com/office/powerpoint/2010/main" val="134505184"/>
+      </p:ext>
+    </p:extLst>
+  </p:cSld>
+  <p:clrMapOvr>
+    <a:masterClrMapping/>
+  </p:clrMapOvr>
+</p:notes>
 </file>
 
 <file path=ppt/slideLayouts/slideLayout1.xml><?xml version="1.0" encoding="utf-8"?>
@@ -6256,7 +6582,7 @@
   <p:cSld>
     <p:spTree>
       <p:nvGrpSpPr>
-        <p:cNvPr id="1" name=""/>
+        <p:cNvPr id="1" name="Shape 52"/>
         <p:cNvGrpSpPr/>
         <p:nvPr/>
       </p:nvGrpSpPr>
@@ -6270,9 +6596,9 @@
       </p:grpSpPr>
       <p:sp>
         <p:nvSpPr>
-          <p:cNvPr id="34828" name="Rectangle 12"/>
-          <p:cNvSpPr>
-            <a:spLocks noGrp="1" noChangeArrowheads="1"/>
+          <p:cNvPr id="53" name="Google Shape;53;p14"/>
+          <p:cNvSpPr txBox="1">
+            <a:spLocks noGrp="1"/>
           </p:cNvSpPr>
           <p:nvPr>
             <p:ph type="ctrTitle"/>
@@ -6280,86 +6606,164 @@
         </p:nvSpPr>
         <p:spPr>
           <a:xfrm>
-            <a:off x="684213" y="765175"/>
-            <a:ext cx="4464050" cy="1728788"/>
+            <a:off x="210975" y="1001425"/>
+            <a:ext cx="3455700" cy="2538000"/>
           </a:xfrm>
+          <a:prstGeom prst="rect">
+            <a:avLst/>
+          </a:prstGeom>
         </p:spPr>
         <p:txBody>
-          <a:bodyPr/>
+          <a:bodyPr spcFirstLastPara="1" vert="horz" wrap="square" lIns="91425" tIns="45700" rIns="91425" bIns="45700" numCol="1" anchor="ctr" anchorCtr="0" compatLnSpc="1">
+            <a:prstTxWarp prst="textNoShape">
+              <a:avLst/>
+            </a:prstTxWarp>
+            <a:noAutofit/>
+          </a:bodyPr>
           <a:lstStyle/>
           <a:p>
-            <a:r>
-              <a:rPr lang="ru-RU"/>
-              <a:t>Name </a:t>
-            </a:r>
-            <a:r>
-              <a:rPr lang="en-US"/>
-              <a:t>of </a:t>
-            </a:r>
-            <a:br>
-              <a:rPr lang="en-US"/>
-            </a:br>
-            <a:r>
-              <a:rPr lang="ru-RU"/>
-              <a:t>presentation</a:t>
-            </a:r>
-            <a:r>
-              <a:rPr lang="en-US"/>
-              <a:t/>
-            </a:r>
-            <a:br>
-              <a:rPr lang="en-US"/>
-            </a:br>
-            <a:endParaRPr lang="en-US"/>
-          </a:p>
-        </p:txBody>
-      </p:sp>
-      <p:sp>
-        <p:nvSpPr>
-          <p:cNvPr id="34832" name="Rectangle 16"/>
-          <p:cNvSpPr>
-            <a:spLocks noGrp="1" noChangeArrowheads="1"/>
-          </p:cNvSpPr>
-          <p:nvPr>
-            <p:ph type="subTitle" idx="1"/>
-          </p:nvPr>
+            <a:pPr algn="ctr">
+              <a:spcBef>
+                <a:spcPts val="0"/>
+              </a:spcBef>
+              <a:spcAft>
+                <a:spcPts val="0"/>
+              </a:spcAft>
+            </a:pPr>
+            <a:r>
+              <a:rPr lang="es"/>
+              <a:t>Principio de Responsabilidad Unica</a:t>
+            </a:r>
+            <a:endParaRPr/>
+          </a:p>
+        </p:txBody>
+      </p:sp>
+      <p:sp>
+        <p:nvSpPr>
+          <p:cNvPr id="54" name="Google Shape;54;p14"/>
+          <p:cNvSpPr txBox="1"/>
+          <p:nvPr/>
         </p:nvSpPr>
         <p:spPr>
           <a:xfrm>
-            <a:off x="684213" y="2636838"/>
-            <a:ext cx="4392612" cy="407987"/>
+            <a:off x="0" y="4383325"/>
+            <a:ext cx="3164400" cy="1014600"/>
           </a:xfrm>
+          <a:prstGeom prst="rect">
+            <a:avLst/>
+          </a:prstGeom>
           <a:noFill/>
-          <a:ln/>
+          <a:ln>
+            <a:noFill/>
+          </a:ln>
         </p:spPr>
         <p:txBody>
-          <a:bodyPr/>
+          <a:bodyPr spcFirstLastPara="1" wrap="square" lIns="91425" tIns="91425" rIns="91425" bIns="91425" anchor="t" anchorCtr="0">
+            <a:noAutofit/>
+          </a:bodyPr>
           <a:lstStyle/>
           <a:p>
-            <a:pPr>
+            <a:pPr algn="ctr">
               <a:spcBef>
-                <a:spcPct val="0"/>
+                <a:spcPts val="0"/>
               </a:spcBef>
+              <a:spcAft>
+                <a:spcPts val="0"/>
+              </a:spcAft>
             </a:pPr>
             <a:r>
-              <a:rPr lang="en-US"/>
-              <a:t>Company Name</a:t>
-            </a:r>
+              <a:rPr lang="es">
+                <a:latin typeface="Roboto"/>
+                <a:ea typeface="Roboto"/>
+                <a:cs typeface="Roboto"/>
+                <a:sym typeface="Roboto"/>
+              </a:rPr>
+              <a:t>Norlan Esquivel Méndez.</a:t>
+            </a:r>
+            <a:endParaRPr>
+              <a:latin typeface="Roboto"/>
+              <a:ea typeface="Roboto"/>
+              <a:cs typeface="Roboto"/>
+              <a:sym typeface="Roboto"/>
+            </a:endParaRPr>
+          </a:p>
+          <a:p>
+            <a:pPr algn="ctr">
+              <a:spcBef>
+                <a:spcPts val="0"/>
+              </a:spcBef>
+              <a:spcAft>
+                <a:spcPts val="0"/>
+              </a:spcAft>
+            </a:pPr>
+            <a:r>
+              <a:rPr lang="es">
+                <a:latin typeface="Roboto"/>
+                <a:ea typeface="Roboto"/>
+                <a:cs typeface="Roboto"/>
+                <a:sym typeface="Roboto"/>
+              </a:rPr>
+              <a:t>Leonardo Chaves Hernández.</a:t>
+            </a:r>
+            <a:endParaRPr>
+              <a:latin typeface="Roboto"/>
+              <a:ea typeface="Roboto"/>
+              <a:cs typeface="Roboto"/>
+              <a:sym typeface="Roboto"/>
+            </a:endParaRPr>
+          </a:p>
+          <a:p>
+            <a:pPr algn="ctr">
+              <a:spcBef>
+                <a:spcPts val="0"/>
+              </a:spcBef>
+              <a:spcAft>
+                <a:spcPts val="0"/>
+              </a:spcAft>
+            </a:pPr>
+            <a:r>
+              <a:rPr lang="es">
+                <a:latin typeface="Roboto"/>
+                <a:ea typeface="Roboto"/>
+                <a:cs typeface="Roboto"/>
+                <a:sym typeface="Roboto"/>
+              </a:rPr>
+              <a:t>Rafael Cerdas Aburto.</a:t>
+            </a:r>
+            <a:r>
+              <a:rPr lang="es">
+                <a:solidFill>
+                  <a:srgbClr val="FFFFFF"/>
+                </a:solidFill>
+                <a:latin typeface="Roboto"/>
+                <a:ea typeface="Roboto"/>
+                <a:cs typeface="Roboto"/>
+                <a:sym typeface="Roboto"/>
+              </a:rPr>
+              <a:t>.</a:t>
+            </a:r>
+            <a:endParaRPr>
+              <a:solidFill>
+                <a:srgbClr val="FFFFFF"/>
+              </a:solidFill>
+              <a:latin typeface="Roboto"/>
+              <a:ea typeface="Roboto"/>
+              <a:cs typeface="Roboto"/>
+              <a:sym typeface="Roboto"/>
+            </a:endParaRPr>
           </a:p>
         </p:txBody>
       </p:sp>
     </p:spTree>
+    <p:extLst>
+      <p:ext uri="{BB962C8B-B14F-4D97-AF65-F5344CB8AC3E}">
+        <p14:creationId xmlns:p14="http://schemas.microsoft.com/office/powerpoint/2010/main" val="1075399909"/>
+      </p:ext>
+    </p:extLst>
   </p:cSld>
   <p:clrMapOvr>
     <a:masterClrMapping/>
   </p:clrMapOvr>
-  <p:timing>
-    <p:tnLst>
-      <p:par>
-        <p:cTn id="1" dur="indefinite" restart="never" nodeType="tmRoot"/>
-      </p:par>
-    </p:tnLst>
-  </p:timing>
 </p:sld>
 </file>
 
@@ -6368,7 +6772,7 @@
   <p:cSld>
     <p:spTree>
       <p:nvGrpSpPr>
-        <p:cNvPr id="1" name=""/>
+        <p:cNvPr id="1" name="Shape 58"/>
         <p:cNvGrpSpPr/>
         <p:nvPr/>
       </p:nvGrpSpPr>
@@ -6382,128 +6786,273 @@
       </p:grpSpPr>
       <p:sp>
         <p:nvSpPr>
-          <p:cNvPr id="36866" name="Rectangle 2"/>
-          <p:cNvSpPr>
-            <a:spLocks noGrp="1" noChangeArrowheads="1"/>
-          </p:cNvSpPr>
-          <p:nvPr>
-            <p:ph type="title"/>
+          <p:cNvPr id="59" name="Google Shape;59;p15"/>
+          <p:cNvSpPr txBox="1">
+            <a:spLocks noGrp="1"/>
+          </p:cNvSpPr>
+          <p:nvPr>
+            <p:ph type="body" idx="4294967295"/>
           </p:nvPr>
         </p:nvSpPr>
         <p:spPr>
           <a:xfrm>
-            <a:off x="611188" y="333375"/>
-            <a:ext cx="7777162" cy="649288"/>
+            <a:off x="207100" y="1228975"/>
+            <a:ext cx="6352800" cy="4239300"/>
           </a:xfrm>
+          <a:prstGeom prst="rect">
+            <a:avLst/>
+          </a:prstGeom>
         </p:spPr>
         <p:txBody>
-          <a:bodyPr/>
+          <a:bodyPr spcFirstLastPara="1" vert="horz" wrap="square" lIns="91425" tIns="45700" rIns="91425" bIns="45700" numCol="1" anchor="t" anchorCtr="0" compatLnSpc="1">
+            <a:prstTxWarp prst="textNoShape">
+              <a:avLst/>
+            </a:prstTxWarp>
+            <a:noAutofit/>
+          </a:bodyPr>
           <a:lstStyle/>
           <a:p>
-            <a:r>
-              <a:rPr lang="en-US"/>
-              <a:t>Second Page</a:t>
-            </a:r>
-            <a:endParaRPr lang="uk-UA"/>
-          </a:p>
-        </p:txBody>
-      </p:sp>
-      <p:sp>
-        <p:nvSpPr>
-          <p:cNvPr id="36867" name="Rectangle 3"/>
-          <p:cNvSpPr>
-            <a:spLocks noGrp="1" noChangeArrowheads="1"/>
-          </p:cNvSpPr>
-          <p:nvPr>
-            <p:ph type="body" idx="1"/>
-          </p:nvPr>
-        </p:nvSpPr>
-        <p:spPr>
-          <a:xfrm>
-            <a:off x="611188" y="1412875"/>
-            <a:ext cx="7777162" cy="5111750"/>
-          </a:xfrm>
-        </p:spPr>
-        <p:txBody>
-          <a:bodyPr/>
-          <a:lstStyle/>
-          <a:p>
-            <a:pPr>
+            <a:pPr marL="0" indent="0">
               <a:lnSpc>
-                <a:spcPct val="80000"/>
+                <a:spcPct val="150000"/>
               </a:lnSpc>
+              <a:spcBef>
+                <a:spcPts val="0"/>
+              </a:spcBef>
+              <a:spcAft>
+                <a:spcPts val="0"/>
+              </a:spcAft>
+              <a:buNone/>
             </a:pPr>
-            <a:r>
-              <a:rPr lang="en-US" altLang="ko-KR">
-                <a:ea typeface="굴림" charset="-127"/>
+            <a:endParaRPr sz="1950">
+              <a:solidFill>
+                <a:schemeClr val="dk2"/>
+              </a:solidFill>
+              <a:latin typeface="Arial"/>
+              <a:ea typeface="Arial"/>
+              <a:cs typeface="Arial"/>
+              <a:sym typeface="Arial"/>
+            </a:endParaRPr>
+          </a:p>
+          <a:p>
+            <a:pPr marL="0" indent="0">
+              <a:lnSpc>
+                <a:spcPct val="150000"/>
+              </a:lnSpc>
+              <a:spcBef>
+                <a:spcPts val="0"/>
+              </a:spcBef>
+              <a:spcAft>
+                <a:spcPts val="0"/>
+              </a:spcAft>
+              <a:buNone/>
+            </a:pPr>
+            <a:r>
+              <a:rPr lang="es" sz="2050">
+                <a:solidFill>
+                  <a:schemeClr val="dk2"/>
+                </a:solidFill>
               </a:rPr>
-              <a:t>Your Text here</a:t>
-            </a:r>
-          </a:p>
-          <a:p>
-            <a:pPr>
+              <a:t>El principio de responsabilidad única es introducido por Robert C. Martín como parte de los principios que conforman el acrónimo de SOLID.</a:t>
+            </a:r>
+            <a:r>
+              <a:rPr lang="es" sz="1950">
+                <a:solidFill>
+                  <a:schemeClr val="dk2"/>
+                </a:solidFill>
+              </a:rPr>
+              <a:t> </a:t>
+            </a:r>
+            <a:endParaRPr sz="1950">
+              <a:solidFill>
+                <a:schemeClr val="dk2"/>
+              </a:solidFill>
+            </a:endParaRPr>
+          </a:p>
+          <a:p>
+            <a:pPr marL="0" indent="0">
               <a:lnSpc>
-                <a:spcPct val="80000"/>
+                <a:spcPct val="150000"/>
               </a:lnSpc>
+              <a:spcBef>
+                <a:spcPts val="0"/>
+              </a:spcBef>
+              <a:spcAft>
+                <a:spcPts val="0"/>
+              </a:spcAft>
+              <a:buNone/>
             </a:pPr>
-            <a:endParaRPr lang="en-US" altLang="ko-KR">
-              <a:ea typeface="굴림" charset="-127"/>
+            <a:endParaRPr sz="2050">
+              <a:solidFill>
+                <a:schemeClr val="dk2"/>
+              </a:solidFill>
             </a:endParaRPr>
           </a:p>
           <a:p>
-            <a:pPr>
+            <a:pPr marL="0" indent="0">
               <a:lnSpc>
-                <a:spcPct val="80000"/>
+                <a:spcPct val="115000"/>
               </a:lnSpc>
+              <a:spcBef>
+                <a:spcPts val="0"/>
+              </a:spcBef>
+              <a:spcAft>
+                <a:spcPts val="0"/>
+              </a:spcAft>
+              <a:buNone/>
             </a:pPr>
             <a:r>
-              <a:rPr lang="ru-RU" altLang="ko-KR">
-                <a:ea typeface="굴림" charset="-127"/>
+              <a:rPr lang="es" sz="2050">
+                <a:solidFill>
+                  <a:schemeClr val="dk2"/>
+                </a:solidFill>
               </a:rPr>
-              <a:t>Lorem ipsum dolor sit amet, consectetuer adipiscing elit, sed diam nonummy nibh euismod tincidunt ut laoreet dolore magna aliquam erat volutpat. Ut wisi enim ad minim veniam, quis nostrud exerci tation ullamcorper suscipit lobortis nisl ut aliquip ex ea commodo consequat. </a:t>
-            </a:r>
-            <a:endParaRPr lang="en-US" altLang="ko-KR">
-              <a:ea typeface="굴림" charset="-127"/>
+              <a:t>SOLID representa los 5 principios básicos de la programación orientada a objetos, al aplicar estos 5 principios que conforman SOLID se puede conseguir un código más estable y flexible.</a:t>
+            </a:r>
+            <a:endParaRPr sz="2050">
+              <a:solidFill>
+                <a:schemeClr val="dk2"/>
+              </a:solidFill>
             </a:endParaRPr>
           </a:p>
           <a:p>
-            <a:pPr>
+            <a:pPr marL="0" indent="0">
               <a:lnSpc>
-                <a:spcPct val="80000"/>
+                <a:spcPct val="150000"/>
               </a:lnSpc>
+              <a:spcBef>
+                <a:spcPts val="0"/>
+              </a:spcBef>
+              <a:spcAft>
+                <a:spcPts val="0"/>
+              </a:spcAft>
+              <a:buNone/>
             </a:pPr>
-            <a:endParaRPr lang="en-US" altLang="ko-KR">
-              <a:ea typeface="굴림" charset="-127"/>
+            <a:endParaRPr sz="1100">
+              <a:solidFill>
+                <a:schemeClr val="dk2"/>
+              </a:solidFill>
+              <a:latin typeface="Arial"/>
+              <a:ea typeface="Arial"/>
+              <a:cs typeface="Arial"/>
+              <a:sym typeface="Arial"/>
             </a:endParaRPr>
           </a:p>
           <a:p>
-            <a:pPr>
+            <a:pPr marL="0" indent="0">
               <a:lnSpc>
-                <a:spcPct val="80000"/>
+                <a:spcPct val="150000"/>
               </a:lnSpc>
+              <a:spcBef>
+                <a:spcPts val="0"/>
+              </a:spcBef>
+              <a:spcAft>
+                <a:spcPts val="0"/>
+              </a:spcAft>
+              <a:buNone/>
             </a:pPr>
-            <a:r>
-              <a:rPr lang="ru-RU" altLang="ko-KR">
-                <a:ea typeface="굴림" charset="-127"/>
-              </a:rPr>
-              <a:t>Duis autem vel eum iriure dolor in hendrerit in vulputate velit esse molestie consequat, vel illum dolore eu feugiat nulla facilisis at vero eros et accumsan et iusto odio dignissim qui blandit praesent luptatum zzril delenit augue duis dolore te feugait nulla facilisi. </a:t>
-            </a:r>
-            <a:endParaRPr lang="uk-UA"/>
+            <a:endParaRPr sz="1950">
+              <a:solidFill>
+                <a:schemeClr val="dk2"/>
+              </a:solidFill>
+            </a:endParaRPr>
+          </a:p>
+          <a:p>
+            <a:pPr marL="0" indent="0">
+              <a:lnSpc>
+                <a:spcPct val="150000"/>
+              </a:lnSpc>
+              <a:spcBef>
+                <a:spcPts val="0"/>
+              </a:spcBef>
+              <a:spcAft>
+                <a:spcPts val="0"/>
+              </a:spcAft>
+              <a:buNone/>
+            </a:pPr>
+            <a:endParaRPr sz="1100">
+              <a:solidFill>
+                <a:schemeClr val="dk2"/>
+              </a:solidFill>
+              <a:latin typeface="Arial"/>
+              <a:ea typeface="Arial"/>
+              <a:cs typeface="Arial"/>
+              <a:sym typeface="Arial"/>
+            </a:endParaRPr>
+          </a:p>
+          <a:p>
+            <a:pPr marL="0" indent="0">
+              <a:lnSpc>
+                <a:spcPct val="150000"/>
+              </a:lnSpc>
+              <a:spcBef>
+                <a:spcPts val="0"/>
+              </a:spcBef>
+              <a:spcAft>
+                <a:spcPts val="0"/>
+              </a:spcAft>
+              <a:buNone/>
+            </a:pPr>
+            <a:endParaRPr sz="1950">
+              <a:solidFill>
+                <a:schemeClr val="dk2"/>
+              </a:solidFill>
+            </a:endParaRPr>
+          </a:p>
+          <a:p>
+            <a:pPr marL="0" indent="0">
+              <a:lnSpc>
+                <a:spcPct val="150000"/>
+              </a:lnSpc>
+              <a:spcBef>
+                <a:spcPts val="0"/>
+              </a:spcBef>
+              <a:spcAft>
+                <a:spcPts val="0"/>
+              </a:spcAft>
+              <a:buNone/>
+            </a:pPr>
+            <a:endParaRPr sz="1100">
+              <a:solidFill>
+                <a:schemeClr val="dk2"/>
+              </a:solidFill>
+              <a:latin typeface="Arial"/>
+              <a:ea typeface="Arial"/>
+              <a:cs typeface="Arial"/>
+              <a:sym typeface="Arial"/>
+            </a:endParaRPr>
+          </a:p>
+          <a:p>
+            <a:pPr marL="0" indent="0">
+              <a:lnSpc>
+                <a:spcPct val="150000"/>
+              </a:lnSpc>
+              <a:spcBef>
+                <a:spcPts val="400"/>
+              </a:spcBef>
+              <a:spcAft>
+                <a:spcPts val="0"/>
+              </a:spcAft>
+              <a:buNone/>
+            </a:pPr>
+            <a:endParaRPr sz="3600">
+              <a:solidFill>
+                <a:srgbClr val="0CA3D7"/>
+              </a:solidFill>
+            </a:endParaRPr>
           </a:p>
         </p:txBody>
       </p:sp>
     </p:spTree>
+    <p:extLst>
+      <p:ext uri="{BB962C8B-B14F-4D97-AF65-F5344CB8AC3E}">
+        <p14:creationId xmlns:p14="http://schemas.microsoft.com/office/powerpoint/2010/main" val="1655997508"/>
+      </p:ext>
+    </p:extLst>
   </p:cSld>
   <p:clrMapOvr>
     <a:masterClrMapping/>
   </p:clrMapOvr>
-  <p:timing>
-    <p:tnLst>
-      <p:par>
-        <p:cTn id="1" dur="indefinite" restart="never" nodeType="tmRoot"/>
-      </p:par>
-    </p:tnLst>
-  </p:timing>
 </p:sld>
 </file>
 
@@ -6512,7 +7061,7 @@
   <p:cSld>
     <p:spTree>
       <p:nvGrpSpPr>
-        <p:cNvPr id="1" name=""/>
+        <p:cNvPr id="1" name="Shape 63"/>
         <p:cNvGrpSpPr/>
         <p:nvPr/>
       </p:nvGrpSpPr>
@@ -6526,190 +7075,160 @@
       </p:grpSpPr>
       <p:sp>
         <p:nvSpPr>
-          <p:cNvPr id="195586" name="Rectangle 2"/>
-          <p:cNvSpPr>
-            <a:spLocks noGrp="1" noChangeArrowheads="1"/>
-          </p:cNvSpPr>
-          <p:nvPr>
-            <p:ph type="title"/>
+          <p:cNvPr id="64" name="Google Shape;64;p16"/>
+          <p:cNvSpPr txBox="1">
+            <a:spLocks noGrp="1"/>
+          </p:cNvSpPr>
+          <p:nvPr>
+            <p:ph type="body" idx="4294967295"/>
           </p:nvPr>
         </p:nvSpPr>
         <p:spPr>
           <a:xfrm>
-            <a:off x="1908175" y="274638"/>
-            <a:ext cx="6767513" cy="777875"/>
+            <a:off x="337675" y="1523300"/>
+            <a:ext cx="6081600" cy="3078900"/>
           </a:xfrm>
+          <a:prstGeom prst="rect">
+            <a:avLst/>
+          </a:prstGeom>
         </p:spPr>
         <p:txBody>
-          <a:bodyPr/>
+          <a:bodyPr spcFirstLastPara="1" vert="horz" wrap="square" lIns="91425" tIns="45700" rIns="91425" bIns="45700" numCol="1" anchor="t" anchorCtr="0" compatLnSpc="1">
+            <a:prstTxWarp prst="textNoShape">
+              <a:avLst/>
+            </a:prstTxWarp>
+            <a:noAutofit/>
+          </a:bodyPr>
           <a:lstStyle/>
           <a:p>
-            <a:r>
-              <a:rPr lang="en-US"/>
-              <a:t>Click to add title</a:t>
-            </a:r>
-          </a:p>
-        </p:txBody>
-      </p:sp>
-      <p:sp>
-        <p:nvSpPr>
-          <p:cNvPr id="195587" name="Rectangle 3"/>
-          <p:cNvSpPr>
-            <a:spLocks noGrp="1" noChangeArrowheads="1"/>
-          </p:cNvSpPr>
-          <p:nvPr>
-            <p:ph type="body" idx="1"/>
-          </p:nvPr>
-        </p:nvSpPr>
-        <p:spPr>
-          <a:xfrm>
-            <a:off x="1908175" y="1341438"/>
-            <a:ext cx="6778625" cy="5327650"/>
-          </a:xfrm>
-        </p:spPr>
-        <p:txBody>
-          <a:bodyPr/>
-          <a:lstStyle/>
-          <a:p>
-            <a:pPr>
+            <a:pPr marL="0" indent="0">
               <a:lnSpc>
-                <a:spcPct val="80000"/>
+                <a:spcPct val="150000"/>
               </a:lnSpc>
+              <a:spcBef>
+                <a:spcPts val="0"/>
+              </a:spcBef>
+              <a:spcAft>
+                <a:spcPts val="0"/>
+              </a:spcAft>
+              <a:buNone/>
             </a:pPr>
-            <a:r>
-              <a:rPr lang="en-US" altLang="ko-KR">
-                <a:ea typeface="굴림" charset="-127"/>
+            <a:endParaRPr sz="2050">
+              <a:solidFill>
+                <a:schemeClr val="dk2"/>
+              </a:solidFill>
+            </a:endParaRPr>
+          </a:p>
+          <a:p>
+            <a:pPr marL="0" indent="0">
+              <a:lnSpc>
+                <a:spcPct val="150000"/>
+              </a:lnSpc>
+              <a:spcBef>
+                <a:spcPts val="0"/>
+              </a:spcBef>
+              <a:spcAft>
+                <a:spcPts val="0"/>
+              </a:spcAft>
+              <a:buClr>
+                <a:schemeClr val="dk2"/>
+              </a:buClr>
+              <a:buSzPts val="1100"/>
+              <a:buNone/>
+            </a:pPr>
+            <a:r>
+              <a:rPr lang="es" sz="2050">
+                <a:solidFill>
+                  <a:schemeClr val="dk2"/>
+                </a:solidFill>
               </a:rPr>
-              <a:t>Your Text here</a:t>
-            </a:r>
-          </a:p>
-          <a:p>
-            <a:pPr>
+              <a:t>El principio de responsabilidad única es el primero de ellos.</a:t>
+            </a:r>
+            <a:endParaRPr sz="2050">
+              <a:solidFill>
+                <a:schemeClr val="dk2"/>
+              </a:solidFill>
+            </a:endParaRPr>
+          </a:p>
+          <a:p>
+            <a:pPr marL="0" indent="0">
               <a:lnSpc>
-                <a:spcPct val="80000"/>
+                <a:spcPct val="150000"/>
               </a:lnSpc>
+              <a:spcBef>
+                <a:spcPts val="0"/>
+              </a:spcBef>
+              <a:spcAft>
+                <a:spcPts val="0"/>
+              </a:spcAft>
+              <a:buClr>
+                <a:schemeClr val="dk2"/>
+              </a:buClr>
+              <a:buSzPts val="1100"/>
+              <a:buNone/>
             </a:pPr>
-            <a:endParaRPr lang="en-US" altLang="ko-KR">
-              <a:ea typeface="굴림" charset="-127"/>
+            <a:r>
+              <a:rPr lang="es" sz="2050">
+                <a:solidFill>
+                  <a:schemeClr val="dk2"/>
+                </a:solidFill>
+              </a:rPr>
+              <a:t>Este principio lo que nos dice básicamente es que una clase solamente debería tener una razón para cambiar. “No debe existir más que una razón para que una clase cambie.”</a:t>
+            </a:r>
+            <a:endParaRPr sz="2050">
+              <a:solidFill>
+                <a:schemeClr val="dk2"/>
+              </a:solidFill>
             </a:endParaRPr>
           </a:p>
           <a:p>
-            <a:pPr>
+            <a:pPr marL="0" indent="0">
               <a:lnSpc>
-                <a:spcPct val="80000"/>
+                <a:spcPct val="150000"/>
               </a:lnSpc>
+              <a:spcBef>
+                <a:spcPts val="0"/>
+              </a:spcBef>
+              <a:spcAft>
+                <a:spcPts val="0"/>
+              </a:spcAft>
+              <a:buClr>
+                <a:schemeClr val="dk2"/>
+              </a:buClr>
+              <a:buSzPts val="1100"/>
+              <a:buNone/>
             </a:pPr>
-            <a:r>
-              <a:rPr lang="ru-RU" altLang="ko-KR">
-                <a:ea typeface="굴림" charset="-127"/>
-              </a:rPr>
-              <a:t>Lorem ipsum dolor sit amet, consectetuer adipiscing elit, sed diam nonummy nibh euismod tincidunt ut laoreet dolore magna aliquam erat volutpat. Ut wisi enim ad minim veniam, quis nostrud exerci tation ullamcorper suscipit lobortis nisl ut aliquip ex ea commodo consequat. </a:t>
-            </a:r>
-            <a:endParaRPr lang="en-US" altLang="ko-KR">
-              <a:ea typeface="굴림" charset="-127"/>
+            <a:endParaRPr sz="1100">
+              <a:solidFill>
+                <a:schemeClr val="dk2"/>
+              </a:solidFill>
+              <a:latin typeface="Arial"/>
+              <a:ea typeface="Arial"/>
+              <a:cs typeface="Arial"/>
+              <a:sym typeface="Arial"/>
             </a:endParaRPr>
           </a:p>
           <a:p>
-            <a:pPr>
+            <a:pPr marL="0" indent="0">
               <a:lnSpc>
-                <a:spcPct val="80000"/>
+                <a:spcPct val="150000"/>
               </a:lnSpc>
+              <a:spcBef>
+                <a:spcPts val="400"/>
+              </a:spcBef>
+              <a:spcAft>
+                <a:spcPts val="0"/>
+              </a:spcAft>
+              <a:buNone/>
             </a:pPr>
-            <a:endParaRPr lang="en-US" altLang="ko-KR">
-              <a:ea typeface="굴림" charset="-127"/>
-            </a:endParaRPr>
-          </a:p>
-          <a:p>
-            <a:pPr>
-              <a:lnSpc>
-                <a:spcPct val="80000"/>
-              </a:lnSpc>
-            </a:pPr>
-            <a:r>
-              <a:rPr lang="ru-RU" altLang="ko-KR">
-                <a:ea typeface="굴림" charset="-127"/>
-              </a:rPr>
-              <a:t>Duis autem vel eum iriure dolor in hendrerit in vulputate velit esse molestie consequat, vel illum dolore eu feugiat nulla facilisis at vero eros et accumsan et iusto odio dignissim qui blandit praesent luptatum zzril delenit augue duis dolore te feugait nulla facilisi. </a:t>
-            </a:r>
-            <a:endParaRPr lang="uk-UA"/>
-          </a:p>
-          <a:p>
-            <a:pPr>
-              <a:lnSpc>
-                <a:spcPct val="80000"/>
-              </a:lnSpc>
-            </a:pPr>
-            <a:endParaRPr lang="en-US"/>
-          </a:p>
-        </p:txBody>
-      </p:sp>
-    </p:spTree>
-  </p:cSld>
-  <p:clrMapOvr>
-    <a:masterClrMapping/>
-  </p:clrMapOvr>
-</p:sld>
-</file>
-
-<file path=ppt/slides/slide4.xml><?xml version="1.0" encoding="utf-8"?>
-<p:sld xmlns:a="http://schemas.openxmlformats.org/drawingml/2006/main" xmlns:r="http://schemas.openxmlformats.org/officeDocument/2006/relationships" xmlns:p="http://schemas.openxmlformats.org/presentationml/2006/main">
-  <p:cSld>
-    <p:spTree>
-      <p:nvGrpSpPr>
-        <p:cNvPr id="1" name=""/>
-        <p:cNvGrpSpPr/>
-        <p:nvPr/>
-      </p:nvGrpSpPr>
-      <p:grpSpPr>
-        <a:xfrm>
-          <a:off x="0" y="0"/>
-          <a:ext cx="0" cy="0"/>
-          <a:chOff x="0" y="0"/>
-          <a:chExt cx="0" cy="0"/>
-        </a:xfrm>
-      </p:grpSpPr>
-      <p:sp>
-        <p:nvSpPr>
-          <p:cNvPr id="2" name="Título 1"/>
-          <p:cNvSpPr>
-            <a:spLocks noGrp="1"/>
-          </p:cNvSpPr>
-          <p:nvPr>
-            <p:ph type="title"/>
-          </p:nvPr>
-        </p:nvSpPr>
-        <p:spPr/>
-        <p:txBody>
-          <a:bodyPr/>
-          <a:lstStyle/>
-          <a:p>
-            <a:endParaRPr lang="en-US"/>
-          </a:p>
-        </p:txBody>
-      </p:sp>
-      <p:sp>
-        <p:nvSpPr>
-          <p:cNvPr id="3" name="Marcador de contenido 2"/>
-          <p:cNvSpPr>
-            <a:spLocks noGrp="1"/>
-          </p:cNvSpPr>
-          <p:nvPr>
-            <p:ph idx="1"/>
-          </p:nvPr>
-        </p:nvSpPr>
-        <p:spPr/>
-        <p:txBody>
-          <a:bodyPr/>
-          <a:lstStyle/>
-          <a:p>
-            <a:endParaRPr lang="en-US"/>
+            <a:endParaRPr/>
           </a:p>
         </p:txBody>
       </p:sp>
     </p:spTree>
     <p:extLst>
       <p:ext uri="{BB962C8B-B14F-4D97-AF65-F5344CB8AC3E}">
-        <p14:creationId xmlns:p14="http://schemas.microsoft.com/office/powerpoint/2010/main" val="124538180"/>
+        <p14:creationId xmlns:p14="http://schemas.microsoft.com/office/powerpoint/2010/main" val="2708500122"/>
       </p:ext>
     </p:extLst>
   </p:cSld>
